--- a/035_Entropy.pptx
+++ b/035_Entropy.pptx
@@ -5,15 +5,16 @@
     <p:sldMasterId id="2147483648" r:id="rId1"/>
   </p:sldMasterIdLst>
   <p:notesMasterIdLst>
-    <p:notesMasterId r:id="rId8"/>
+    <p:notesMasterId r:id="rId9"/>
   </p:notesMasterIdLst>
   <p:sldIdLst>
     <p:sldId id="256" r:id="rId2"/>
     <p:sldId id="274" r:id="rId3"/>
     <p:sldId id="285" r:id="rId4"/>
-    <p:sldId id="283" r:id="rId5"/>
-    <p:sldId id="284" r:id="rId6"/>
-    <p:sldId id="259" r:id="rId7"/>
+    <p:sldId id="286" r:id="rId5"/>
+    <p:sldId id="283" r:id="rId6"/>
+    <p:sldId id="284" r:id="rId7"/>
+    <p:sldId id="259" r:id="rId8"/>
   </p:sldIdLst>
   <p:sldSz cx="9144000" cy="6858000" type="screen4x3"/>
   <p:notesSz cx="6858000" cy="9144000"/>
@@ -4418,7 +4419,7 @@
         <p:spPr>
           <a:xfrm>
             <a:off x="457200" y="1268759"/>
-            <a:ext cx="8291264" cy="2304257"/>
+            <a:ext cx="8291264" cy="2592289"/>
           </a:xfrm>
           <a:ln>
             <a:solidFill>
@@ -4612,7 +4613,7 @@
               <a:rPr lang="en-US" sz="1800" dirty="0">
                 <a:hlinkClick r:id="rId2"/>
               </a:rPr>
-              <a:t>https://en.wikipedia.org/wiki/Entropy_(information_theory)</a:t>
+              <a:t>https://towardsdatascience.com/entropy-how-decision-trees-make-decisions-2946b9c18c8</a:t>
             </a:r>
             <a:endParaRPr lang="en-US" sz="1800" b="1" dirty="0">
               <a:solidFill>
@@ -4635,23 +4636,7 @@
                   <a:schemeClr val="tx1"/>
                 </a:solidFill>
               </a:rPr>
-              <a:t>Flip a coin between 0 and 1. Both 0 or 1 has equal probability is 0.5 (Head or tail). The maximum probability (1</a:t>
-            </a:r>
-            <a:r>
-              <a:rPr lang="en-US" sz="1800" b="1">
-                <a:solidFill>
-                  <a:schemeClr val="tx1"/>
-                </a:solidFill>
-              </a:rPr>
-              <a:t>) at </a:t>
-            </a:r>
-            <a:r>
-              <a:rPr lang="en-US" sz="1800" b="1" dirty="0">
-                <a:solidFill>
-                  <a:schemeClr val="tx1"/>
-                </a:solidFill>
-              </a:rPr>
-              <a:t>0.5 (either head or tail).</a:t>
+              <a:t>Flip a coin between 0 and 1. Both 0 or 1 has equal probability is 0.5 (Head or tail). The maximum probability (1) at 0.5 (either head or tail).</a:t>
             </a:r>
           </a:p>
         </p:txBody>
@@ -4788,54 +4773,37 @@
       </p:sp>
       <p:pic>
         <p:nvPicPr>
-          <p:cNvPr id="2050" name="Picture 2">
+          <p:cNvPr id="7" name="Picture 6">
             <a:extLst>
               <a:ext uri="{FF2B5EF4-FFF2-40B4-BE49-F238E27FC236}">
-                <a16:creationId xmlns:a16="http://schemas.microsoft.com/office/drawing/2014/main" id="{7A64C447-6626-4EAD-9718-BB903CC87D34}"/>
+                <a16:creationId xmlns:a16="http://schemas.microsoft.com/office/drawing/2014/main" id="{48DEA230-9640-4833-9A7D-9E969739B151}"/>
               </a:ext>
             </a:extLst>
           </p:cNvPr>
           <p:cNvPicPr>
-            <a:picLocks noChangeAspect="1" noChangeArrowheads="1"/>
+            <a:picLocks noChangeAspect="1"/>
           </p:cNvPicPr>
           <p:nvPr/>
         </p:nvPicPr>
         <p:blipFill>
-          <a:blip r:embed="rId4">
-            <a:extLst>
-              <a:ext uri="{28A0092B-C50C-407E-A947-70E740481C1C}">
-                <a14:useLocalDpi xmlns:a14="http://schemas.microsoft.com/office/drawing/2010/main" val="0"/>
-              </a:ext>
-            </a:extLst>
-          </a:blip>
-          <a:srcRect/>
+          <a:blip r:embed="rId4"/>
           <a:stretch>
             <a:fillRect/>
           </a:stretch>
         </p:blipFill>
-        <p:spPr bwMode="auto">
+        <p:spPr>
           <a:xfrm>
-            <a:off x="3619500" y="3717031"/>
-            <a:ext cx="1905000" cy="1905000"/>
+            <a:off x="2589822" y="4005063"/>
+            <a:ext cx="3889797" cy="2894540"/>
           </a:xfrm>
           <a:prstGeom prst="rect">
             <a:avLst/>
           </a:prstGeom>
-          <a:noFill/>
           <a:ln>
             <a:solidFill>
               <a:srgbClr val="C00000"/>
             </a:solidFill>
           </a:ln>
-          <a:extLst>
-            <a:ext uri="{909E8E84-426E-40DD-AFC4-6F175D3DCCD1}">
-              <a14:hiddenFill xmlns:a14="http://schemas.microsoft.com/office/drawing/2010/main">
-                <a:solidFill>
-                  <a:srgbClr val="FFFFFF"/>
-                </a:solidFill>
-              </a14:hiddenFill>
-            </a:ext>
-          </a:extLst>
         </p:spPr>
       </p:pic>
     </p:spTree>
@@ -4880,6 +4848,386 @@
         </p:nvSpPr>
         <p:spPr>
           <a:xfrm>
+            <a:off x="0" y="1"/>
+            <a:ext cx="9144000" cy="764704"/>
+          </a:xfrm>
+          <a:gradFill flip="none" rotWithShape="1">
+            <a:gsLst>
+              <a:gs pos="0">
+                <a:srgbClr val="C00000">
+                  <a:shade val="30000"/>
+                  <a:satMod val="115000"/>
+                </a:srgbClr>
+              </a:gs>
+              <a:gs pos="50000">
+                <a:srgbClr val="C00000">
+                  <a:shade val="67500"/>
+                  <a:satMod val="115000"/>
+                </a:srgbClr>
+              </a:gs>
+              <a:gs pos="100000">
+                <a:srgbClr val="C00000">
+                  <a:shade val="100000"/>
+                  <a:satMod val="115000"/>
+                </a:srgbClr>
+              </a:gs>
+            </a:gsLst>
+            <a:path path="circle">
+              <a:fillToRect t="100000" r="100000"/>
+            </a:path>
+            <a:tileRect l="-100000" b="-100000"/>
+          </a:gradFill>
+        </p:spPr>
+        <p:txBody>
+          <a:bodyPr>
+            <a:normAutofit/>
+          </a:bodyPr>
+          <a:lstStyle/>
+          <a:p>
+            <a:pPr algn="l"/>
+            <a:r>
+              <a:rPr lang="en-US" altLang="zh-TW" sz="4400" b="1">
+                <a:solidFill>
+                  <a:srgbClr val="FFFF00"/>
+                </a:solidFill>
+              </a:rPr>
+              <a:t>35 Entropy</a:t>
+            </a:r>
+            <a:endParaRPr lang="zh-TW" altLang="en-US" b="1" dirty="0">
+              <a:solidFill>
+                <a:srgbClr val="FFFF00"/>
+              </a:solidFill>
+            </a:endParaRPr>
+          </a:p>
+        </p:txBody>
+      </p:sp>
+      <p:sp>
+        <p:nvSpPr>
+          <p:cNvPr id="3" name="副標題 2"/>
+          <p:cNvSpPr>
+            <a:spLocks noGrp="1"/>
+          </p:cNvSpPr>
+          <p:nvPr>
+            <p:ph type="subTitle" idx="1"/>
+          </p:nvPr>
+        </p:nvSpPr>
+        <p:spPr>
+          <a:xfrm>
+            <a:off x="457200" y="1268759"/>
+            <a:ext cx="8291264" cy="2160241"/>
+          </a:xfrm>
+          <a:ln>
+            <a:solidFill>
+              <a:srgbClr val="C00000"/>
+            </a:solidFill>
+          </a:ln>
+        </p:spPr>
+        <p:txBody>
+          <a:bodyPr>
+            <a:noAutofit/>
+          </a:bodyPr>
+          <a:lstStyle/>
+          <a:p>
+            <a:pPr marL="342900" indent="-342900" algn="l">
+              <a:buClr>
+                <a:srgbClr val="0070C0"/>
+              </a:buClr>
+              <a:buSzPct val="80000"/>
+              <a:buFont typeface="Wingdings" pitchFamily="2" charset="2"/>
+              <a:buChar char="u"/>
+            </a:pPr>
+            <a:r>
+              <a:rPr lang="en-US" sz="1800" b="1" dirty="0">
+                <a:solidFill>
+                  <a:schemeClr val="tx1"/>
+                </a:solidFill>
+              </a:rPr>
+              <a:t>Computing Entropy</a:t>
+            </a:r>
+          </a:p>
+          <a:p>
+            <a:pPr marL="342900" indent="-342900" algn="l">
+              <a:buClr>
+                <a:srgbClr val="0070C0"/>
+              </a:buClr>
+              <a:buSzPct val="80000"/>
+              <a:buFont typeface="Wingdings" pitchFamily="2" charset="2"/>
+              <a:buChar char="u"/>
+            </a:pPr>
+            <a:r>
+              <a:rPr lang="en-US" sz="1800" dirty="0">
+                <a:hlinkClick r:id="rId2"/>
+              </a:rPr>
+              <a:t>https://towardsdatascience.com/entropy-how-decision-trees-make-decisions-2946b9c18c8</a:t>
+            </a:r>
+            <a:endParaRPr lang="en-US" sz="1800" b="1" dirty="0">
+              <a:solidFill>
+                <a:schemeClr val="tx1"/>
+              </a:solidFill>
+            </a:endParaRPr>
+          </a:p>
+          <a:p>
+            <a:pPr marL="342900" indent="-342900" algn="l">
+              <a:buClr>
+                <a:srgbClr val="0070C0"/>
+              </a:buClr>
+              <a:buSzPct val="80000"/>
+              <a:buFont typeface="Wingdings" pitchFamily="2" charset="2"/>
+              <a:buChar char="u"/>
+            </a:pPr>
+            <a:r>
+              <a:rPr lang="en-US" sz="1800" b="1" dirty="0">
+                <a:solidFill>
+                  <a:schemeClr val="tx1"/>
+                </a:solidFill>
+              </a:rPr>
+              <a:t>We will minimize the entropy (randomness) at each node, i.e., the parent has greater randomness of Hire/not hire together, The child node with one Hire (1) and no-hire (0). After make decision/choice, the parent has greater randomness = 0.99 and the child has the minimum randomness 0.39 and 0.79, respectively.</a:t>
+            </a:r>
+          </a:p>
+        </p:txBody>
+      </p:sp>
+      <p:sp>
+        <p:nvSpPr>
+          <p:cNvPr id="4" name="標題 1"/>
+          <p:cNvSpPr txBox="1">
+            <a:spLocks/>
+          </p:cNvSpPr>
+          <p:nvPr/>
+        </p:nvSpPr>
+        <p:spPr>
+          <a:xfrm>
+            <a:off x="0" y="764704"/>
+            <a:ext cx="9144000" cy="360040"/>
+          </a:xfrm>
+          <a:prstGeom prst="rect">
+            <a:avLst/>
+          </a:prstGeom>
+          <a:gradFill flip="none" rotWithShape="1">
+            <a:gsLst>
+              <a:gs pos="0">
+                <a:srgbClr val="00B0F0">
+                  <a:shade val="30000"/>
+                  <a:satMod val="115000"/>
+                </a:srgbClr>
+              </a:gs>
+              <a:gs pos="50000">
+                <a:srgbClr val="00B0F0">
+                  <a:shade val="67500"/>
+                  <a:satMod val="115000"/>
+                </a:srgbClr>
+              </a:gs>
+              <a:gs pos="100000">
+                <a:srgbClr val="00B0F0">
+                  <a:shade val="100000"/>
+                  <a:satMod val="115000"/>
+                </a:srgbClr>
+              </a:gs>
+            </a:gsLst>
+            <a:path path="circle">
+              <a:fillToRect t="100000" r="100000"/>
+            </a:path>
+            <a:tileRect l="-100000" b="-100000"/>
+          </a:gradFill>
+        </p:spPr>
+        <p:txBody>
+          <a:bodyPr vert="horz" lIns="91440" tIns="45720" rIns="91440" bIns="45720" rtlCol="0" anchor="ctr">
+            <a:normAutofit fontScale="77500" lnSpcReduction="20000"/>
+          </a:bodyPr>
+          <a:lstStyle/>
+          <a:p>
+            <a:pPr lvl="0">
+              <a:spcBef>
+                <a:spcPct val="0"/>
+              </a:spcBef>
+            </a:pPr>
+            <a:r>
+              <a:rPr lang="en-US" sz="1600" dirty="0">
+                <a:hlinkClick r:id="rId3"/>
+              </a:rPr>
+              <a:t>https://www.udemy.com/course/data-science-and-machine-learning-with-python-hands-on/learn/lecture/4020558#overview</a:t>
+            </a:r>
+            <a:endParaRPr kumimoji="0" lang="zh-TW" altLang="en-US" sz="1600" b="0" i="0" u="none" strike="noStrike" kern="1200" cap="none" spc="0" normalizeH="0" baseline="0" noProof="0" dirty="0">
+              <a:ln>
+                <a:noFill/>
+              </a:ln>
+              <a:solidFill>
+                <a:schemeClr val="tx1"/>
+              </a:solidFill>
+              <a:effectLst/>
+              <a:uLnTx/>
+              <a:uFillTx/>
+              <a:latin typeface="+mj-lt"/>
+              <a:ea typeface="+mj-ea"/>
+              <a:cs typeface="+mj-cs"/>
+            </a:endParaRPr>
+          </a:p>
+        </p:txBody>
+      </p:sp>
+      <p:sp>
+        <p:nvSpPr>
+          <p:cNvPr id="5" name="日期版面配置區 4"/>
+          <p:cNvSpPr>
+            <a:spLocks noGrp="1"/>
+          </p:cNvSpPr>
+          <p:nvPr>
+            <p:ph type="dt" sz="half" idx="10"/>
+          </p:nvPr>
+        </p:nvSpPr>
+        <p:spPr>
+          <a:xfrm>
+            <a:off x="457200" y="6343695"/>
+            <a:ext cx="2133600" cy="365125"/>
+          </a:xfrm>
+        </p:spPr>
+        <p:txBody>
+          <a:bodyPr/>
+          <a:lstStyle/>
+          <a:p>
+            <a:fld id="{A4F910E6-8D00-4BAF-8C48-9688E0B449D3}" type="datetime1">
+              <a:rPr lang="zh-TW" altLang="en-US" smtClean="0"/>
+              <a:pPr/>
+              <a:t>2020/8/27</a:t>
+            </a:fld>
+            <a:endParaRPr lang="zh-TW" altLang="en-US"/>
+          </a:p>
+        </p:txBody>
+      </p:sp>
+      <p:sp>
+        <p:nvSpPr>
+          <p:cNvPr id="6" name="投影片編號版面配置區 5"/>
+          <p:cNvSpPr>
+            <a:spLocks noGrp="1"/>
+          </p:cNvSpPr>
+          <p:nvPr>
+            <p:ph type="sldNum" sz="quarter" idx="12"/>
+          </p:nvPr>
+        </p:nvSpPr>
+        <p:spPr/>
+        <p:txBody>
+          <a:bodyPr/>
+          <a:lstStyle/>
+          <a:p>
+            <a:fld id="{E4D7E63D-91F2-4366-A2C4-1B00C9E2590E}" type="slidenum">
+              <a:rPr lang="zh-TW" altLang="en-US" smtClean="0"/>
+              <a:pPr/>
+              <a:t>4</a:t>
+            </a:fld>
+            <a:endParaRPr lang="zh-TW" altLang="en-US"/>
+          </a:p>
+        </p:txBody>
+      </p:sp>
+      <p:pic>
+        <p:nvPicPr>
+          <p:cNvPr id="7" name="Picture 6">
+            <a:extLst>
+              <a:ext uri="{FF2B5EF4-FFF2-40B4-BE49-F238E27FC236}">
+                <a16:creationId xmlns:a16="http://schemas.microsoft.com/office/drawing/2014/main" id="{BB11D9CF-6C52-41BE-9906-4FBB04B91502}"/>
+              </a:ext>
+            </a:extLst>
+          </p:cNvPr>
+          <p:cNvPicPr>
+            <a:picLocks noChangeAspect="1"/>
+          </p:cNvPicPr>
+          <p:nvPr/>
+        </p:nvPicPr>
+        <p:blipFill>
+          <a:blip r:embed="rId4"/>
+          <a:stretch>
+            <a:fillRect/>
+          </a:stretch>
+        </p:blipFill>
+        <p:spPr>
+          <a:xfrm>
+            <a:off x="1259632" y="3499270"/>
+            <a:ext cx="2972172" cy="3026987"/>
+          </a:xfrm>
+          <a:prstGeom prst="rect">
+            <a:avLst/>
+          </a:prstGeom>
+          <a:ln>
+            <a:solidFill>
+              <a:srgbClr val="C00000"/>
+            </a:solidFill>
+          </a:ln>
+        </p:spPr>
+      </p:pic>
+      <p:pic>
+        <p:nvPicPr>
+          <p:cNvPr id="8" name="Picture 7">
+            <a:extLst>
+              <a:ext uri="{FF2B5EF4-FFF2-40B4-BE49-F238E27FC236}">
+                <a16:creationId xmlns:a16="http://schemas.microsoft.com/office/drawing/2014/main" id="{B5D98C0B-C6F6-4B2A-A6CE-7FCF3AA21E8D}"/>
+              </a:ext>
+            </a:extLst>
+          </p:cNvPr>
+          <p:cNvPicPr>
+            <a:picLocks noChangeAspect="1"/>
+          </p:cNvPicPr>
+          <p:nvPr/>
+        </p:nvPicPr>
+        <p:blipFill>
+          <a:blip r:embed="rId5"/>
+          <a:stretch>
+            <a:fillRect/>
+          </a:stretch>
+        </p:blipFill>
+        <p:spPr>
+          <a:xfrm>
+            <a:off x="4427984" y="3661021"/>
+            <a:ext cx="3871714" cy="1840743"/>
+          </a:xfrm>
+          <a:prstGeom prst="rect">
+            <a:avLst/>
+          </a:prstGeom>
+          <a:ln>
+            <a:solidFill>
+              <a:srgbClr val="C00000"/>
+            </a:solidFill>
+          </a:ln>
+        </p:spPr>
+      </p:pic>
+    </p:spTree>
+    <p:extLst>
+      <p:ext uri="{BB962C8B-B14F-4D97-AF65-F5344CB8AC3E}">
+        <p14:creationId xmlns:p14="http://schemas.microsoft.com/office/powerpoint/2010/main" val="1181246678"/>
+      </p:ext>
+    </p:extLst>
+  </p:cSld>
+  <p:clrMapOvr>
+    <a:masterClrMapping/>
+  </p:clrMapOvr>
+</p:sld>
+</file>
+
+<file path=ppt/slides/slide5.xml><?xml version="1.0" encoding="utf-8"?>
+<p:sld xmlns:a="http://schemas.openxmlformats.org/drawingml/2006/main" xmlns:r="http://schemas.openxmlformats.org/officeDocument/2006/relationships" xmlns:p="http://schemas.openxmlformats.org/presentationml/2006/main">
+  <p:cSld>
+    <p:spTree>
+      <p:nvGrpSpPr>
+        <p:cNvPr id="1" name=""/>
+        <p:cNvGrpSpPr/>
+        <p:nvPr/>
+      </p:nvGrpSpPr>
+      <p:grpSpPr>
+        <a:xfrm>
+          <a:off x="0" y="0"/>
+          <a:ext cx="0" cy="0"/>
+          <a:chOff x="0" y="0"/>
+          <a:chExt cx="0" cy="0"/>
+        </a:xfrm>
+      </p:grpSpPr>
+      <p:sp>
+        <p:nvSpPr>
+          <p:cNvPr id="2" name="標題 1"/>
+          <p:cNvSpPr>
+            <a:spLocks noGrp="1"/>
+          </p:cNvSpPr>
+          <p:nvPr>
+            <p:ph type="ctrTitle"/>
+          </p:nvPr>
+        </p:nvSpPr>
+        <p:spPr>
+          <a:xfrm>
             <a:off x="0" y="2130425"/>
             <a:ext cx="9144000" cy="1470025"/>
           </a:xfrm>
@@ -4951,7 +5299,7 @@
             <a:fld id="{E4D7E63D-91F2-4366-A2C4-1B00C9E2590E}" type="slidenum">
               <a:rPr lang="zh-TW" altLang="en-US" smtClean="0"/>
               <a:pPr/>
-              <a:t>4</a:t>
+              <a:t>5</a:t>
             </a:fld>
             <a:endParaRPr lang="zh-TW" altLang="en-US"/>
           </a:p>
@@ -5000,7 +5348,7 @@
 </p:sld>
 </file>
 
-<file path=ppt/slides/slide5.xml><?xml version="1.0" encoding="utf-8"?>
+<file path=ppt/slides/slide6.xml><?xml version="1.0" encoding="utf-8"?>
 <p:sld xmlns:a="http://schemas.openxmlformats.org/drawingml/2006/main" xmlns:r="http://schemas.openxmlformats.org/officeDocument/2006/relationships" xmlns:p="http://schemas.openxmlformats.org/presentationml/2006/main">
   <p:cSld>
     <p:spTree>
@@ -5288,7 +5636,7 @@
             <a:fld id="{E4D7E63D-91F2-4366-A2C4-1B00C9E2590E}" type="slidenum">
               <a:rPr lang="zh-TW" altLang="en-US" smtClean="0"/>
               <a:pPr/>
-              <a:t>5</a:t>
+              <a:t>6</a:t>
             </a:fld>
             <a:endParaRPr lang="zh-TW" altLang="en-US"/>
           </a:p>
@@ -5377,7 +5725,7 @@
 </p:sld>
 </file>
 
-<file path=ppt/slides/slide6.xml><?xml version="1.0" encoding="utf-8"?>
+<file path=ppt/slides/slide7.xml><?xml version="1.0" encoding="utf-8"?>
 <p:sld xmlns:a="http://schemas.openxmlformats.org/drawingml/2006/main" xmlns:r="http://schemas.openxmlformats.org/officeDocument/2006/relationships" xmlns:p="http://schemas.openxmlformats.org/presentationml/2006/main">
   <p:cSld>
     <p:spTree>
@@ -5500,7 +5848,7 @@
             <a:fld id="{E4D7E63D-91F2-4366-A2C4-1B00C9E2590E}" type="slidenum">
               <a:rPr lang="zh-TW" altLang="en-US" smtClean="0"/>
               <a:pPr/>
-              <a:t>6</a:t>
+              <a:t>7</a:t>
             </a:fld>
             <a:endParaRPr lang="zh-TW" altLang="en-US"/>
           </a:p>
